--- a/iotschema-20200716.pptx
+++ b/iotschema-20200716.pptx
@@ -7700,26 +7700,30 @@
           </a:p>
           <a:p>
             <a:r>
-              <a:rPr lang="en-US" dirty="0"/>
-              <a:t>Ongoing topics – new progress ?</a:t>
-            </a:r>
-          </a:p>
-          <a:p>
-            <a:pPr lvl="1"/>
+              <a:rPr lang="en-US"/>
+              <a:t>Ongoing </a:t>
+            </a:r>
+            <a:r>
+              <a:rPr lang="en-US" smtClean="0"/>
+              <a:t>work</a:t>
+            </a:r>
+            <a:endParaRPr lang="en-US" dirty="0" smtClean="0"/>
+          </a:p>
+          <a:p>
+            <a:pPr marL="914400" lvl="1" indent="-457200">
+              <a:buFont typeface="+mj-lt"/>
+              <a:buAutoNum type="arabicPeriod"/>
+            </a:pPr>
             <a:r>
               <a:rPr lang="en-US" dirty="0"/>
               <a:t>Thing class</a:t>
             </a:r>
           </a:p>
           <a:p>
-            <a:pPr lvl="1"/>
-            <a:r>
-              <a:rPr lang="en-US" dirty="0"/>
-              <a:t>One Data Model integration/format conversion</a:t>
-            </a:r>
-          </a:p>
-          <a:p>
-            <a:pPr lvl="1"/>
+            <a:pPr marL="914400" lvl="1" indent="-457200">
+              <a:buFont typeface="+mj-lt"/>
+              <a:buAutoNum type="arabicPeriod"/>
+            </a:pPr>
             <a:r>
               <a:rPr lang="en-US" dirty="0" err="1"/>
               <a:t>schema.org</a:t>
@@ -7730,10 +7734,25 @@
             </a:r>
           </a:p>
           <a:p>
-            <a:r>
-              <a:rPr lang="en-US" dirty="0"/>
+            <a:pPr marL="914400" lvl="1" indent="-457200">
+              <a:buFont typeface="+mj-lt"/>
+              <a:buAutoNum type="arabicPeriod"/>
+            </a:pPr>
+            <a:r>
+              <a:rPr lang="en-US" dirty="0" smtClean="0"/>
+              <a:t>One </a:t>
+            </a:r>
+            <a:r>
+              <a:rPr lang="en-US" dirty="0"/>
+              <a:t>Data Model integration/format conversion</a:t>
+            </a:r>
+          </a:p>
+          <a:p>
+            <a:r>
+              <a:rPr lang="en-US" dirty="0" smtClean="0"/>
               <a:t>AOB</a:t>
             </a:r>
+            <a:endParaRPr lang="en-US" dirty="0"/>
           </a:p>
         </p:txBody>
       </p:sp>
@@ -7858,7 +7877,15 @@
             <a:pPr lvl="1"/>
             <a:r>
               <a:rPr lang="en-US" dirty="0"/>
-              <a:t>~200 models in the playground; OCF, LWM2Mp, Zigbee, BLE Mesh examples, Energy models are another focus</a:t>
+              <a:t>~200 models in the playground; OCF, </a:t>
+            </a:r>
+            <a:r>
+              <a:rPr lang="en-US" dirty="0" smtClean="0"/>
+              <a:t>LWM2M, </a:t>
+            </a:r>
+            <a:r>
+              <a:rPr lang="en-US" dirty="0"/>
+              <a:t>Zigbee, BLE Mesh examples, Energy models are another focus</a:t>
             </a:r>
           </a:p>
           <a:p>
